--- a/presentation.pptx
+++ b/presentation.pptx
@@ -217,7 +217,7 @@
           <a:effectLst/>
           <a:extLst>
             <a:ext uri="{91240B29-F687-4f45-9708-019B960494DF}">
-              <a14:hiddenLine xmlns="" xmlns:a14="http://schemas.microsoft.com/office/drawing/2010/main" w="9525">
+              <a14:hiddenLine xmlns:a14="http://schemas.microsoft.com/office/drawing/2010/main" xmlns="" w="9525">
                 <a:solidFill>
                   <a:srgbClr val="000000"/>
                 </a:solidFill>
@@ -410,7 +410,7 @@
             <a:fld id="{08B9EBBA-996F-894A-B54A-D6246ED52CEA}" type="datetimeFigureOut">
               <a:rPr lang="en-US" dirty="0"/>
               <a:pPr/>
-              <a:t>6/29/21</a:t>
+              <a:t>7/1/21</a:t>
             </a:fld>
             <a:endParaRPr lang="en-US" dirty="0"/>
           </a:p>
@@ -725,7 +725,7 @@
             <a:fld id="{18C79C5D-2A6F-F04D-97DA-BEF2467B64E4}" type="datetimeFigureOut">
               <a:rPr lang="en-US" dirty="0"/>
               <a:pPr/>
-              <a:t>6/29/21</a:t>
+              <a:t>7/1/21</a:t>
             </a:fld>
             <a:endParaRPr lang="en-US" dirty="0"/>
           </a:p>
@@ -1210,7 +1210,7 @@
             <a:fld id="{8DFA1846-DA80-1C48-A609-854EA85C59AD}" type="datetimeFigureOut">
               <a:rPr lang="en-US" dirty="0"/>
               <a:pPr/>
-              <a:t>6/29/21</a:t>
+              <a:t>7/1/21</a:t>
             </a:fld>
             <a:endParaRPr lang="en-US" dirty="0"/>
           </a:p>
@@ -1576,7 +1576,7 @@
             <a:fld id="{FBF54567-0DE4-3F47-BF90-CB84690072F9}" type="datetimeFigureOut">
               <a:rPr lang="en-US" dirty="0"/>
               <a:pPr/>
-              <a:t>6/29/21</a:t>
+              <a:t>7/1/21</a:t>
             </a:fld>
             <a:endParaRPr lang="en-US" dirty="0"/>
           </a:p>
@@ -1727,7 +1727,7 @@
           <a:ln/>
           <a:extLst>
             <a:ext uri="{91240B29-F687-4f45-9708-019B960494DF}">
-              <a14:hiddenLine xmlns="" xmlns:a14="http://schemas.microsoft.com/office/drawing/2010/main" w="9525">
+              <a14:hiddenLine xmlns:a14="http://schemas.microsoft.com/office/drawing/2010/main" xmlns="" w="9525">
                 <a:solidFill>
                   <a:srgbClr val="000000"/>
                 </a:solidFill>
@@ -1846,7 +1846,7 @@
             <a:fld id="{C6C52C72-DE31-F449-A4ED-4C594FD91407}" type="datetimeFigureOut">
               <a:rPr lang="en-US" dirty="0"/>
               <a:pPr/>
-              <a:t>6/29/21</a:t>
+              <a:t>7/1/21</a:t>
             </a:fld>
             <a:endParaRPr lang="en-US" dirty="0"/>
           </a:p>
@@ -1999,7 +1999,7 @@
           <a:ln/>
           <a:extLst>
             <a:ext uri="{91240B29-F687-4f45-9708-019B960494DF}">
-              <a14:hiddenLine xmlns="" xmlns:a14="http://schemas.microsoft.com/office/drawing/2010/main" w="9525">
+              <a14:hiddenLine xmlns:a14="http://schemas.microsoft.com/office/drawing/2010/main" xmlns="" w="9525">
                 <a:solidFill>
                   <a:srgbClr val="000000"/>
                 </a:solidFill>
@@ -2128,7 +2128,7 @@
             <a:fld id="{ED62726E-379B-B349-9EED-81ED093FA806}" type="datetimeFigureOut">
               <a:rPr lang="en-US" dirty="0"/>
               <a:pPr/>
-              <a:t>6/29/21</a:t>
+              <a:t>7/1/21</a:t>
             </a:fld>
             <a:endParaRPr lang="en-US" dirty="0"/>
           </a:p>
@@ -2279,7 +2279,7 @@
           <a:ln/>
           <a:extLst>
             <a:ext uri="{91240B29-F687-4f45-9708-019B960494DF}">
-              <a14:hiddenLine xmlns="" xmlns:a14="http://schemas.microsoft.com/office/drawing/2010/main" w="9525">
+              <a14:hiddenLine xmlns:a14="http://schemas.microsoft.com/office/drawing/2010/main" xmlns="" w="9525">
                 <a:solidFill>
                   <a:srgbClr val="000000"/>
                 </a:solidFill>
@@ -2408,7 +2408,7 @@
             <a:fld id="{9B3A1323-8D79-1946-B0D7-40001CF92E9D}" type="datetimeFigureOut">
               <a:rPr lang="en-US" dirty="0"/>
               <a:pPr/>
-              <a:t>6/29/21</a:t>
+              <a:t>7/1/21</a:t>
             </a:fld>
             <a:endParaRPr lang="en-US" dirty="0"/>
           </a:p>
@@ -2748,7 +2748,7 @@
             <a:fld id="{8DFA1846-DA80-1C48-A609-854EA85C59AD}" type="datetimeFigureOut">
               <a:rPr lang="en-US" dirty="0"/>
               <a:pPr/>
-              <a:t>6/29/21</a:t>
+              <a:t>7/1/21</a:t>
             </a:fld>
             <a:endParaRPr lang="en-US" dirty="0"/>
           </a:p>
@@ -2899,7 +2899,7 @@
           <a:ln/>
           <a:extLst>
             <a:ext uri="{91240B29-F687-4f45-9708-019B960494DF}">
-              <a14:hiddenLine xmlns="" xmlns:a14="http://schemas.microsoft.com/office/drawing/2010/main" w="9525">
+              <a14:hiddenLine xmlns:a14="http://schemas.microsoft.com/office/drawing/2010/main" xmlns="" w="9525">
                 <a:solidFill>
                   <a:srgbClr val="000000"/>
                 </a:solidFill>
@@ -3084,7 +3084,7 @@
             <a:fld id="{57302355-E14B-8545-A8F8-0FE83CC9D524}" type="datetimeFigureOut">
               <a:rPr lang="en-US" dirty="0"/>
               <a:pPr/>
-              <a:t>6/29/21</a:t>
+              <a:t>7/1/21</a:t>
             </a:fld>
             <a:endParaRPr lang="en-US" dirty="0"/>
           </a:p>
@@ -3235,7 +3235,7 @@
           <a:ln/>
           <a:extLst>
             <a:ext uri="{91240B29-F687-4f45-9708-019B960494DF}">
-              <a14:hiddenLine xmlns="" xmlns:a14="http://schemas.microsoft.com/office/drawing/2010/main" w="9525">
+              <a14:hiddenLine xmlns:a14="http://schemas.microsoft.com/office/drawing/2010/main" xmlns="" w="9525">
                 <a:solidFill>
                   <a:srgbClr val="000000"/>
                 </a:solidFill>
@@ -3558,7 +3558,7 @@
             <a:fld id="{02640F58-564D-2B4F-AE67-E407BA4FCF45}" type="datetimeFigureOut">
               <a:rPr lang="en-US" dirty="0"/>
               <a:pPr/>
-              <a:t>6/29/21</a:t>
+              <a:t>7/1/21</a:t>
             </a:fld>
             <a:endParaRPr lang="en-US" dirty="0"/>
           </a:p>
@@ -3709,7 +3709,7 @@
           <a:ln/>
           <a:extLst>
             <a:ext uri="{91240B29-F687-4f45-9708-019B960494DF}">
-              <a14:hiddenLine xmlns="" xmlns:a14="http://schemas.microsoft.com/office/drawing/2010/main" w="9525">
+              <a14:hiddenLine xmlns:a14="http://schemas.microsoft.com/office/drawing/2010/main" xmlns="" w="9525">
                 <a:solidFill>
                   <a:srgbClr val="000000"/>
                 </a:solidFill>
@@ -3776,7 +3776,7 @@
             <a:fld id="{F13A34C8-038E-2045-AF43-DF7DBB8E0E9E}" type="datetimeFigureOut">
               <a:rPr lang="en-US" dirty="0"/>
               <a:pPr/>
-              <a:t>6/29/21</a:t>
+              <a:t>7/1/21</a:t>
             </a:fld>
             <a:endParaRPr lang="en-US" dirty="0"/>
           </a:p>
@@ -3868,7 +3868,7 @@
             <a:fld id="{8818C68F-D26B-8F47-958C-23B49CF8A634}" type="datetimeFigureOut">
               <a:rPr lang="en-US" dirty="0"/>
               <a:pPr/>
-              <a:t>6/29/21</a:t>
+              <a:t>7/1/21</a:t>
             </a:fld>
             <a:endParaRPr lang="en-US" dirty="0"/>
           </a:p>
@@ -4132,7 +4132,7 @@
           <a:ln/>
           <a:extLst>
             <a:ext uri="{91240B29-F687-4f45-9708-019B960494DF}">
-              <a14:hiddenLine xmlns="" xmlns:a14="http://schemas.microsoft.com/office/drawing/2010/main" w="9525">
+              <a14:hiddenLine xmlns:a14="http://schemas.microsoft.com/office/drawing/2010/main" xmlns="" w="9525">
                 <a:solidFill>
                   <a:srgbClr val="000000"/>
                 </a:solidFill>
@@ -4332,7 +4332,7 @@
             <a:fld id="{D0DF5E60-9974-AC48-9591-99C2BB44B7CF}" type="datetimeFigureOut">
               <a:rPr lang="en-US" dirty="0"/>
               <a:pPr/>
-              <a:t>6/29/21</a:t>
+              <a:t>7/1/21</a:t>
             </a:fld>
             <a:endParaRPr lang="en-US" dirty="0"/>
           </a:p>
@@ -4642,7 +4642,7 @@
             <a:fld id="{18C79C5D-2A6F-F04D-97DA-BEF2467B64E4}" type="datetimeFigureOut">
               <a:rPr lang="en-US" dirty="0"/>
               <a:pPr/>
-              <a:t>6/29/21</a:t>
+              <a:t>7/1/21</a:t>
             </a:fld>
             <a:endParaRPr lang="en-US" dirty="0"/>
           </a:p>
@@ -4909,7 +4909,7 @@
             <a:fld id="{09B482E8-6E0E-1B4F-B1FD-C69DB9E858D9}" type="datetimeFigureOut">
               <a:rPr lang="en-US" dirty="0"/>
               <a:pPr/>
-              <a:t>6/29/21</a:t>
+              <a:t>7/1/21</a:t>
             </a:fld>
             <a:endParaRPr lang="en-US" dirty="0"/>
           </a:p>
@@ -5698,7 +5698,7 @@
         <p:spPr>
           <a:xfrm>
             <a:off x="593124" y="2718486"/>
-            <a:ext cx="10571998" cy="923330"/>
+            <a:ext cx="10571998" cy="2308324"/>
           </a:xfrm>
           <a:prstGeom prst="rect">
             <a:avLst/>
@@ -5724,22 +5724,27 @@
             <a:endParaRPr lang="en-US" dirty="0"/>
           </a:p>
           <a:p>
+            <a:endParaRPr lang="en-US" dirty="0"/>
+          </a:p>
+          <a:p>
             <a:r>
               <a:rPr lang="en-US" b="1" dirty="0"/>
               <a:t>Classification</a:t>
             </a:r>
             <a:r>
               <a:rPr lang="en-US" dirty="0"/>
-              <a:t>: https://</a:t>
-            </a:r>
-            <a:r>
-              <a:rPr lang="en-US" dirty="0" err="1"/>
-              <a:t>playground.tensorflow.org</a:t>
-            </a:r>
-            <a:r>
-              <a:rPr lang="en-US" dirty="0"/>
-              <a:t>/</a:t>
-            </a:r>
+              <a:t>: </a:t>
+            </a:r>
+            <a:r>
+              <a:rPr lang="en-US" dirty="0">
+                <a:hlinkClick r:id="rId3"/>
+              </a:rPr>
+              <a:t>https://playground.tensorflow.org/</a:t>
+            </a:r>
+            <a:endParaRPr lang="en-US" dirty="0"/>
+          </a:p>
+          <a:p>
+            <a:endParaRPr lang="en-US" dirty="0"/>
           </a:p>
           <a:p>
             <a:r>
@@ -5747,12 +5752,28 @@
               <a:t>Convolutional Networks: </a:t>
             </a:r>
             <a:r>
+              <a:rPr lang="en-US" dirty="0">
+                <a:hlinkClick r:id="rId4"/>
+              </a:rPr>
+              <a:t>https://poloclub.github.io/cnn-explainer/</a:t>
+            </a:r>
+            <a:endParaRPr lang="en-US" dirty="0"/>
+          </a:p>
+          <a:p>
+            <a:endParaRPr lang="en-US" dirty="0"/>
+          </a:p>
+          <a:p>
+            <a:r>
+              <a:rPr lang="en-US" b="1" dirty="0"/>
+              <a:t>Transfer Learning Models: </a:t>
+            </a:r>
+            <a:r>
               <a:rPr lang="en-US" dirty="0"/>
               <a:t>https://</a:t>
             </a:r>
             <a:r>
               <a:rPr lang="en-US" dirty="0" err="1"/>
-              <a:t>poloclub.github.io</a:t>
+              <a:t>tfhub.dev</a:t>
             </a:r>
             <a:r>
               <a:rPr lang="en-US" dirty="0"/>
@@ -5760,12 +5781,23 @@
             </a:r>
             <a:r>
               <a:rPr lang="en-US" dirty="0" err="1"/>
-              <a:t>cnn</a:t>
-            </a:r>
-            <a:r>
-              <a:rPr lang="en-US" dirty="0"/>
-              <a:t>-explainer/</a:t>
-            </a:r>
+              <a:t>tensorflow</a:t>
+            </a:r>
+            <a:r>
+              <a:rPr lang="en-US" dirty="0"/>
+              <a:t>/</a:t>
+            </a:r>
+            <a:r>
+              <a:rPr lang="en-US" dirty="0" err="1"/>
+              <a:t>efficientnet</a:t>
+            </a:r>
+            <a:r>
+              <a:rPr lang="en-US" dirty="0"/>
+              <a:t>/b0/feature-vector/1</a:t>
+            </a:r>
+          </a:p>
+          <a:p>
+            <a:endParaRPr lang="en-US" dirty="0"/>
           </a:p>
         </p:txBody>
       </p:sp>

--- a/presentation.pptx
+++ b/presentation.pptx
@@ -15,7 +15,8 @@
     <p:sldId id="265" r:id="rId9"/>
     <p:sldId id="266" r:id="rId10"/>
     <p:sldId id="267" r:id="rId11"/>
-    <p:sldId id="261" r:id="rId12"/>
+    <p:sldId id="269" r:id="rId12"/>
+    <p:sldId id="261" r:id="rId13"/>
   </p:sldIdLst>
   <p:sldSz cx="12192000" cy="6858000"/>
   <p:notesSz cx="6858000" cy="9144000"/>
@@ -5433,7 +5434,7 @@
         </p:blipFill>
         <p:spPr>
           <a:xfrm rot="21210653">
-            <a:off x="1422805" y="588498"/>
+            <a:off x="356005" y="331546"/>
             <a:ext cx="2984500" cy="2235200"/>
           </a:xfrm>
           <a:prstGeom prst="rect">
@@ -5463,8 +5464,68 @@
         </p:blipFill>
         <p:spPr>
           <a:xfrm rot="405633">
-            <a:off x="7211303" y="741533"/>
-            <a:ext cx="2730500" cy="2209800"/>
+            <a:off x="3884522" y="359147"/>
+            <a:ext cx="2619005" cy="2119567"/>
+          </a:xfrm>
+          <a:prstGeom prst="rect">
+            <a:avLst/>
+          </a:prstGeom>
+        </p:spPr>
+      </p:pic>
+      <p:pic>
+        <p:nvPicPr>
+          <p:cNvPr id="6" name="Picture 5">
+            <a:extLst>
+              <a:ext uri="{FF2B5EF4-FFF2-40B4-BE49-F238E27FC236}">
+                <a16:creationId xmlns:a16="http://schemas.microsoft.com/office/drawing/2014/main" id="{D4AE4961-C937-5141-86C8-3080B89DAED4}"/>
+              </a:ext>
+            </a:extLst>
+          </p:cNvPr>
+          <p:cNvPicPr>
+            <a:picLocks noChangeAspect="1"/>
+          </p:cNvPicPr>
+          <p:nvPr/>
+        </p:nvPicPr>
+        <p:blipFill>
+          <a:blip r:embed="rId4"/>
+          <a:stretch>
+            <a:fillRect/>
+          </a:stretch>
+        </p:blipFill>
+        <p:spPr>
+          <a:xfrm>
+            <a:off x="7015231" y="795194"/>
+            <a:ext cx="2183385" cy="2281941"/>
+          </a:xfrm>
+          <a:prstGeom prst="rect">
+            <a:avLst/>
+          </a:prstGeom>
+        </p:spPr>
+      </p:pic>
+      <p:pic>
+        <p:nvPicPr>
+          <p:cNvPr id="8" name="Picture 7">
+            <a:extLst>
+              <a:ext uri="{FF2B5EF4-FFF2-40B4-BE49-F238E27FC236}">
+                <a16:creationId xmlns:a16="http://schemas.microsoft.com/office/drawing/2014/main" id="{2FB81444-7ECB-9E4A-82E2-C129CE2D1E35}"/>
+              </a:ext>
+            </a:extLst>
+          </p:cNvPr>
+          <p:cNvPicPr>
+            <a:picLocks noChangeAspect="1"/>
+          </p:cNvPicPr>
+          <p:nvPr/>
+        </p:nvPicPr>
+        <p:blipFill>
+          <a:blip r:embed="rId5"/>
+          <a:stretch>
+            <a:fillRect/>
+          </a:stretch>
+        </p:blipFill>
+        <p:spPr>
+          <a:xfrm>
+            <a:off x="9662480" y="795194"/>
+            <a:ext cx="2183385" cy="2053357"/>
           </a:xfrm>
           <a:prstGeom prst="rect">
             <a:avLst/>
@@ -5638,6 +5699,219 @@
 </file>
 
 <file path=ppt/slides/slide11.xml><?xml version="1.0" encoding="utf-8"?>
+<p:sld xmlns:a="http://schemas.openxmlformats.org/drawingml/2006/main" xmlns:r="http://schemas.openxmlformats.org/officeDocument/2006/relationships" xmlns:p="http://schemas.openxmlformats.org/presentationml/2006/main">
+  <p:cSld>
+    <p:spTree>
+      <p:nvGrpSpPr>
+        <p:cNvPr id="1" name=""/>
+        <p:cNvGrpSpPr/>
+        <p:nvPr/>
+      </p:nvGrpSpPr>
+      <p:grpSpPr>
+        <a:xfrm>
+          <a:off x="0" y="0"/>
+          <a:ext cx="0" cy="0"/>
+          <a:chOff x="0" y="0"/>
+          <a:chExt cx="0" cy="0"/>
+        </a:xfrm>
+      </p:grpSpPr>
+      <p:sp>
+        <p:nvSpPr>
+          <p:cNvPr id="2" name="Title 1">
+            <a:extLst>
+              <a:ext uri="{FF2B5EF4-FFF2-40B4-BE49-F238E27FC236}">
+                <a16:creationId xmlns:a16="http://schemas.microsoft.com/office/drawing/2014/main" id="{DCD1A5FC-14D6-A747-BB58-8CA25AE0C258}"/>
+              </a:ext>
+            </a:extLst>
+          </p:cNvPr>
+          <p:cNvSpPr>
+            <a:spLocks noGrp="1"/>
+          </p:cNvSpPr>
+          <p:nvPr>
+            <p:ph type="title"/>
+          </p:nvPr>
+        </p:nvSpPr>
+        <p:spPr/>
+        <p:txBody>
+          <a:bodyPr/>
+          <a:lstStyle/>
+          <a:p>
+            <a:r>
+              <a:rPr lang="en-US" dirty="0"/>
+              <a:t>Making Predictions</a:t>
+            </a:r>
+          </a:p>
+        </p:txBody>
+      </p:sp>
+      <p:pic>
+        <p:nvPicPr>
+          <p:cNvPr id="4" name="Picture 3">
+            <a:extLst>
+              <a:ext uri="{FF2B5EF4-FFF2-40B4-BE49-F238E27FC236}">
+                <a16:creationId xmlns:a16="http://schemas.microsoft.com/office/drawing/2014/main" id="{BB75BD8D-A869-DD45-86AD-7DA18BB67F36}"/>
+              </a:ext>
+            </a:extLst>
+          </p:cNvPr>
+          <p:cNvPicPr>
+            <a:picLocks noChangeAspect="1"/>
+          </p:cNvPicPr>
+          <p:nvPr/>
+        </p:nvPicPr>
+        <p:blipFill>
+          <a:blip r:embed="rId2"/>
+          <a:stretch>
+            <a:fillRect/>
+          </a:stretch>
+        </p:blipFill>
+        <p:spPr>
+          <a:xfrm>
+            <a:off x="3570683" y="3665661"/>
+            <a:ext cx="2984500" cy="2235200"/>
+          </a:xfrm>
+          <a:prstGeom prst="rect">
+            <a:avLst/>
+          </a:prstGeom>
+        </p:spPr>
+      </p:pic>
+      <p:pic>
+        <p:nvPicPr>
+          <p:cNvPr id="5" name="Picture 4">
+            <a:extLst>
+              <a:ext uri="{FF2B5EF4-FFF2-40B4-BE49-F238E27FC236}">
+                <a16:creationId xmlns:a16="http://schemas.microsoft.com/office/drawing/2014/main" id="{64CC868C-CD5A-7043-853C-79BFF12ACFA6}"/>
+              </a:ext>
+            </a:extLst>
+          </p:cNvPr>
+          <p:cNvPicPr>
+            <a:picLocks noChangeAspect="1"/>
+          </p:cNvPicPr>
+          <p:nvPr/>
+        </p:nvPicPr>
+        <p:blipFill>
+          <a:blip r:embed="rId3"/>
+          <a:stretch>
+            <a:fillRect/>
+          </a:stretch>
+        </p:blipFill>
+        <p:spPr>
+          <a:xfrm>
+            <a:off x="559425" y="3665661"/>
+            <a:ext cx="2619005" cy="2119567"/>
+          </a:xfrm>
+          <a:prstGeom prst="rect">
+            <a:avLst/>
+          </a:prstGeom>
+        </p:spPr>
+      </p:pic>
+      <p:pic>
+        <p:nvPicPr>
+          <p:cNvPr id="6" name="Picture 5">
+            <a:extLst>
+              <a:ext uri="{FF2B5EF4-FFF2-40B4-BE49-F238E27FC236}">
+                <a16:creationId xmlns:a16="http://schemas.microsoft.com/office/drawing/2014/main" id="{BE4066FC-93A8-4640-A89F-5BA2A641B8E3}"/>
+              </a:ext>
+            </a:extLst>
+          </p:cNvPr>
+          <p:cNvPicPr>
+            <a:picLocks noChangeAspect="1"/>
+          </p:cNvPicPr>
+          <p:nvPr/>
+        </p:nvPicPr>
+        <p:blipFill>
+          <a:blip r:embed="rId4"/>
+          <a:stretch>
+            <a:fillRect/>
+          </a:stretch>
+        </p:blipFill>
+        <p:spPr>
+          <a:xfrm>
+            <a:off x="9317110" y="3665661"/>
+            <a:ext cx="2183385" cy="2281941"/>
+          </a:xfrm>
+          <a:prstGeom prst="rect">
+            <a:avLst/>
+          </a:prstGeom>
+        </p:spPr>
+      </p:pic>
+      <p:pic>
+        <p:nvPicPr>
+          <p:cNvPr id="7" name="Picture 6">
+            <a:extLst>
+              <a:ext uri="{FF2B5EF4-FFF2-40B4-BE49-F238E27FC236}">
+                <a16:creationId xmlns:a16="http://schemas.microsoft.com/office/drawing/2014/main" id="{D6C75D4C-D718-4D49-9E0F-422E93574D56}"/>
+              </a:ext>
+            </a:extLst>
+          </p:cNvPr>
+          <p:cNvPicPr>
+            <a:picLocks noChangeAspect="1"/>
+          </p:cNvPicPr>
+          <p:nvPr/>
+        </p:nvPicPr>
+        <p:blipFill>
+          <a:blip r:embed="rId5"/>
+          <a:stretch>
+            <a:fillRect/>
+          </a:stretch>
+        </p:blipFill>
+        <p:spPr>
+          <a:xfrm>
+            <a:off x="6947436" y="3665661"/>
+            <a:ext cx="2183385" cy="2053357"/>
+          </a:xfrm>
+          <a:prstGeom prst="rect">
+            <a:avLst/>
+          </a:prstGeom>
+        </p:spPr>
+      </p:pic>
+      <p:sp>
+        <p:nvSpPr>
+          <p:cNvPr id="8" name="TextBox 7">
+            <a:extLst>
+              <a:ext uri="{FF2B5EF4-FFF2-40B4-BE49-F238E27FC236}">
+                <a16:creationId xmlns:a16="http://schemas.microsoft.com/office/drawing/2014/main" id="{7B89C8E2-0FB6-BB44-9BE6-754BBD0FF92E}"/>
+              </a:ext>
+            </a:extLst>
+          </p:cNvPr>
+          <p:cNvSpPr txBox="1"/>
+          <p:nvPr/>
+        </p:nvSpPr>
+        <p:spPr>
+          <a:xfrm>
+            <a:off x="1273752" y="2546009"/>
+            <a:ext cx="9644493" cy="646331"/>
+          </a:xfrm>
+          <a:prstGeom prst="rect">
+            <a:avLst/>
+          </a:prstGeom>
+          <a:noFill/>
+        </p:spPr>
+        <p:txBody>
+          <a:bodyPr wrap="square" rtlCol="0">
+            <a:spAutoFit/>
+          </a:bodyPr>
+          <a:lstStyle/>
+          <a:p>
+            <a:r>
+              <a:rPr lang="en-US" dirty="0"/>
+              <a:t>We will see how to improve our models and explore the world of machine learning using convolutional networks, transfer learning and tweaking hyperparameters</a:t>
+            </a:r>
+          </a:p>
+        </p:txBody>
+      </p:sp>
+    </p:spTree>
+    <p:extLst>
+      <p:ext uri="{BB962C8B-B14F-4D97-AF65-F5344CB8AC3E}">
+        <p14:creationId xmlns:p14="http://schemas.microsoft.com/office/powerpoint/2010/main" val="1814688589"/>
+      </p:ext>
+    </p:extLst>
+  </p:cSld>
+  <p:clrMapOvr>
+    <a:masterClrMapping/>
+  </p:clrMapOvr>
+</p:sld>
+</file>
+
+<file path=ppt/slides/slide12.xml><?xml version="1.0" encoding="utf-8"?>
 <p:sld xmlns:a="http://schemas.openxmlformats.org/drawingml/2006/main" xmlns:r="http://schemas.openxmlformats.org/officeDocument/2006/relationships" xmlns:p="http://schemas.openxmlformats.org/presentationml/2006/main">
   <p:cSld>
     <p:spTree>

--- a/presentation.pptx
+++ b/presentation.pptx
@@ -5434,7 +5434,7 @@
         </p:blipFill>
         <p:spPr>
           <a:xfrm rot="21210653">
-            <a:off x="356005" y="331546"/>
+            <a:off x="1209445" y="749984"/>
             <a:ext cx="2984500" cy="2235200"/>
           </a:xfrm>
           <a:prstGeom prst="rect">
@@ -5464,68 +5464,8 @@
         </p:blipFill>
         <p:spPr>
           <a:xfrm rot="405633">
-            <a:off x="3884522" y="359147"/>
+            <a:off x="7491323" y="668320"/>
             <a:ext cx="2619005" cy="2119567"/>
-          </a:xfrm>
-          <a:prstGeom prst="rect">
-            <a:avLst/>
-          </a:prstGeom>
-        </p:spPr>
-      </p:pic>
-      <p:pic>
-        <p:nvPicPr>
-          <p:cNvPr id="6" name="Picture 5">
-            <a:extLst>
-              <a:ext uri="{FF2B5EF4-FFF2-40B4-BE49-F238E27FC236}">
-                <a16:creationId xmlns:a16="http://schemas.microsoft.com/office/drawing/2014/main" id="{D4AE4961-C937-5141-86C8-3080B89DAED4}"/>
-              </a:ext>
-            </a:extLst>
-          </p:cNvPr>
-          <p:cNvPicPr>
-            <a:picLocks noChangeAspect="1"/>
-          </p:cNvPicPr>
-          <p:nvPr/>
-        </p:nvPicPr>
-        <p:blipFill>
-          <a:blip r:embed="rId4"/>
-          <a:stretch>
-            <a:fillRect/>
-          </a:stretch>
-        </p:blipFill>
-        <p:spPr>
-          <a:xfrm>
-            <a:off x="7015231" y="795194"/>
-            <a:ext cx="2183385" cy="2281941"/>
-          </a:xfrm>
-          <a:prstGeom prst="rect">
-            <a:avLst/>
-          </a:prstGeom>
-        </p:spPr>
-      </p:pic>
-      <p:pic>
-        <p:nvPicPr>
-          <p:cNvPr id="8" name="Picture 7">
-            <a:extLst>
-              <a:ext uri="{FF2B5EF4-FFF2-40B4-BE49-F238E27FC236}">
-                <a16:creationId xmlns:a16="http://schemas.microsoft.com/office/drawing/2014/main" id="{2FB81444-7ECB-9E4A-82E2-C129CE2D1E35}"/>
-              </a:ext>
-            </a:extLst>
-          </p:cNvPr>
-          <p:cNvPicPr>
-            <a:picLocks noChangeAspect="1"/>
-          </p:cNvPicPr>
-          <p:nvPr/>
-        </p:nvPicPr>
-        <p:blipFill>
-          <a:blip r:embed="rId5"/>
-          <a:stretch>
-            <a:fillRect/>
-          </a:stretch>
-        </p:blipFill>
-        <p:spPr>
-          <a:xfrm>
-            <a:off x="9662480" y="795194"/>
-            <a:ext cx="2183385" cy="2053357"/>
           </a:xfrm>
           <a:prstGeom prst="rect">
             <a:avLst/>

--- a/presentation.pptx
+++ b/presentation.pptx
@@ -6101,20 +6101,23 @@
           <a:p>
             <a:r>
               <a:rPr lang="en-US" dirty="0"/>
+              <a:t>Deep Learning: A subset of ML where systems can learn hidden patterns from data by themselves, combine them together, and build much more efficient decision rules.</a:t>
+            </a:r>
+          </a:p>
+          <a:p>
+            <a:r>
+              <a:rPr lang="en-US" dirty="0"/>
+              <a:t>Machine Learning: A subset of ai that involves programming systems to perform a specific task without having to code rule-base instructions</a:t>
+            </a:r>
+          </a:p>
+          <a:p>
+            <a:r>
+              <a:rPr lang="en-US" dirty="0"/>
               <a:t>Artificial Intelligence: Any system that leverages human capacity for learning, perception and interaction all at a level of complexity that ultimately supersedes our own abilities</a:t>
             </a:r>
           </a:p>
           <a:p>
-            <a:r>
-              <a:rPr lang="en-US" dirty="0"/>
-              <a:t>Machine Learning: A subset of ai that involves programming systems to perform a specific task without having to code rule-base instructions</a:t>
-            </a:r>
-          </a:p>
-          <a:p>
-            <a:r>
-              <a:rPr lang="en-US" dirty="0"/>
-              <a:t>Deep Learning: A subset of ML where systems can learn hidden patterns from data by themselves, combine them together, and build much more efficient decision rules.</a:t>
-            </a:r>
+            <a:endParaRPr lang="en-US" dirty="0"/>
           </a:p>
         </p:txBody>
       </p:sp>
